--- a/Figures/SenSlope_MKTrends/formattrendfig.pptx
+++ b/Figures/SenSlope_MKTrends/formattrendfig.pptx
@@ -270,7 +270,7 @@
           <a:p>
             <a:fld id="{8DEF80E9-2940-413F-973C-2A38AA49E443}" type="datetimeFigureOut">
               <a:rPr lang="en-US" smtClean="0"/>
-              <a:t>8/16/2024</a:t>
+              <a:t>10/7/2024</a:t>
             </a:fld>
             <a:endParaRPr lang="en-US"/>
           </a:p>
@@ -468,7 +468,7 @@
           <a:p>
             <a:fld id="{8DEF80E9-2940-413F-973C-2A38AA49E443}" type="datetimeFigureOut">
               <a:rPr lang="en-US" smtClean="0"/>
-              <a:t>8/16/2024</a:t>
+              <a:t>10/7/2024</a:t>
             </a:fld>
             <a:endParaRPr lang="en-US"/>
           </a:p>
@@ -676,7 +676,7 @@
           <a:p>
             <a:fld id="{8DEF80E9-2940-413F-973C-2A38AA49E443}" type="datetimeFigureOut">
               <a:rPr lang="en-US" smtClean="0"/>
-              <a:t>8/16/2024</a:t>
+              <a:t>10/7/2024</a:t>
             </a:fld>
             <a:endParaRPr lang="en-US"/>
           </a:p>
@@ -874,7 +874,7 @@
           <a:p>
             <a:fld id="{8DEF80E9-2940-413F-973C-2A38AA49E443}" type="datetimeFigureOut">
               <a:rPr lang="en-US" smtClean="0"/>
-              <a:t>8/16/2024</a:t>
+              <a:t>10/7/2024</a:t>
             </a:fld>
             <a:endParaRPr lang="en-US"/>
           </a:p>
@@ -1149,7 +1149,7 @@
           <a:p>
             <a:fld id="{8DEF80E9-2940-413F-973C-2A38AA49E443}" type="datetimeFigureOut">
               <a:rPr lang="en-US" smtClean="0"/>
-              <a:t>8/16/2024</a:t>
+              <a:t>10/7/2024</a:t>
             </a:fld>
             <a:endParaRPr lang="en-US"/>
           </a:p>
@@ -1414,7 +1414,7 @@
           <a:p>
             <a:fld id="{8DEF80E9-2940-413F-973C-2A38AA49E443}" type="datetimeFigureOut">
               <a:rPr lang="en-US" smtClean="0"/>
-              <a:t>8/16/2024</a:t>
+              <a:t>10/7/2024</a:t>
             </a:fld>
             <a:endParaRPr lang="en-US"/>
           </a:p>
@@ -1826,7 +1826,7 @@
           <a:p>
             <a:fld id="{8DEF80E9-2940-413F-973C-2A38AA49E443}" type="datetimeFigureOut">
               <a:rPr lang="en-US" smtClean="0"/>
-              <a:t>8/16/2024</a:t>
+              <a:t>10/7/2024</a:t>
             </a:fld>
             <a:endParaRPr lang="en-US"/>
           </a:p>
@@ -1967,7 +1967,7 @@
           <a:p>
             <a:fld id="{8DEF80E9-2940-413F-973C-2A38AA49E443}" type="datetimeFigureOut">
               <a:rPr lang="en-US" smtClean="0"/>
-              <a:t>8/16/2024</a:t>
+              <a:t>10/7/2024</a:t>
             </a:fld>
             <a:endParaRPr lang="en-US"/>
           </a:p>
@@ -2080,7 +2080,7 @@
           <a:p>
             <a:fld id="{8DEF80E9-2940-413F-973C-2A38AA49E443}" type="datetimeFigureOut">
               <a:rPr lang="en-US" smtClean="0"/>
-              <a:t>8/16/2024</a:t>
+              <a:t>10/7/2024</a:t>
             </a:fld>
             <a:endParaRPr lang="en-US"/>
           </a:p>
@@ -2391,7 +2391,7 @@
           <a:p>
             <a:fld id="{8DEF80E9-2940-413F-973C-2A38AA49E443}" type="datetimeFigureOut">
               <a:rPr lang="en-US" smtClean="0"/>
-              <a:t>8/16/2024</a:t>
+              <a:t>10/7/2024</a:t>
             </a:fld>
             <a:endParaRPr lang="en-US"/>
           </a:p>
@@ -2679,7 +2679,7 @@
           <a:p>
             <a:fld id="{8DEF80E9-2940-413F-973C-2A38AA49E443}" type="datetimeFigureOut">
               <a:rPr lang="en-US" smtClean="0"/>
-              <a:t>8/16/2024</a:t>
+              <a:t>10/7/2024</a:t>
             </a:fld>
             <a:endParaRPr lang="en-US"/>
           </a:p>
@@ -2920,7 +2920,7 @@
           <a:p>
             <a:fld id="{8DEF80E9-2940-413F-973C-2A38AA49E443}" type="datetimeFigureOut">
               <a:rPr lang="en-US" smtClean="0"/>
-              <a:t>8/16/2024</a:t>
+              <a:t>10/7/2024</a:t>
             </a:fld>
             <a:endParaRPr lang="en-US"/>
           </a:p>
@@ -3352,9 +3352,9 @@
         <p:grpSpPr>
           <a:xfrm>
             <a:off x="59951" y="0"/>
-            <a:ext cx="9806629" cy="6858000"/>
+            <a:ext cx="9806629" cy="6857999"/>
             <a:chOff x="59951" y="0"/>
-            <a:chExt cx="9806629" cy="6858000"/>
+            <a:chExt cx="9806629" cy="6857999"/>
           </a:xfrm>
         </p:grpSpPr>
         <p:grpSp>
@@ -3963,7 +3963,7 @@
         </p:grpSp>
         <p:pic>
           <p:nvPicPr>
-            <p:cNvPr id="28" name="Picture 27" descr="A screenshot of a graph&#10;&#10;Description automatically generated">
+            <p:cNvPr id="28" name="Picture 27">
               <a:extLst>
                 <a:ext uri="{FF2B5EF4-FFF2-40B4-BE49-F238E27FC236}">
                   <a16:creationId xmlns:a16="http://schemas.microsoft.com/office/drawing/2014/main" id="{555C6342-C27E-200C-3F95-B89CF6846ECD}"/>
@@ -3983,14 +3983,13 @@
                 </a:ext>
               </a:extLst>
             </a:blip>
-            <a:stretch>
-              <a:fillRect/>
-            </a:stretch>
+            <a:srcRect/>
+            <a:stretch/>
           </p:blipFill>
           <p:spPr>
             <a:xfrm>
               <a:off x="59951" y="0"/>
-              <a:ext cx="8471647" cy="6858000"/>
+              <a:ext cx="8471647" cy="6857999"/>
             </a:xfrm>
             <a:prstGeom prst="rect">
               <a:avLst/>
